--- a/一种快速识别相似图片素材的方法.pptx
+++ b/一种快速识别相似图片素材的方法.pptx
@@ -4883,6 +4883,16 @@
               </a:rPr>
               <a:t>图片聚类</a:t>
             </a:r>
+            <a:r>
+              <a:rPr lang="en-US" altLang="zh-CN" b="1" dirty="0">
+                <a:solidFill>
+                  <a:srgbClr val="FF6600"/>
+                </a:solidFill>
+                <a:latin typeface="Heiti SC Medium" pitchFamily="2" charset="-128"/>
+                <a:ea typeface="Heiti SC Medium" pitchFamily="2" charset="-128"/>
+              </a:rPr>
+              <a:t>——K-means</a:t>
+            </a:r>
             <a:br>
               <a:rPr lang="en-US" altLang="zh-CN" sz="1600" b="1" dirty="0">
                 <a:latin typeface="Heiti SC Medium" pitchFamily="2" charset="-128"/>
@@ -5063,6 +5073,32 @@
               </a:rPr>
               <a:t>图片聚类</a:t>
             </a:r>
+            <a:r>
+              <a:rPr lang="en-US" altLang="zh-CN" b="1" dirty="0">
+                <a:solidFill>
+                  <a:srgbClr val="FF6600"/>
+                </a:solidFill>
+                <a:latin typeface="Heiti SC Medium" pitchFamily="2" charset="-128"/>
+                <a:ea typeface="Heiti SC Medium" pitchFamily="2" charset="-128"/>
+              </a:rPr>
+              <a:t>——</a:t>
+            </a:r>
+            <a:r>
+              <a:rPr lang="en-US" altLang="zh-CN" sz="1600" b="1" dirty="0">
+                <a:solidFill>
+                  <a:srgbClr val="FF6600"/>
+                </a:solidFill>
+                <a:latin typeface="Heiti SC Medium" pitchFamily="2" charset="-128"/>
+                <a:ea typeface="Heiti SC Medium" pitchFamily="2" charset="-128"/>
+              </a:rPr>
+              <a:t>K-means</a:t>
+            </a:r>
+            <a:br>
+              <a:rPr lang="en-US" altLang="zh-CN" sz="1200" b="1" dirty="0">
+                <a:latin typeface="Heiti SC Medium" pitchFamily="2" charset="-128"/>
+                <a:ea typeface="Heiti SC Medium" pitchFamily="2" charset="-128"/>
+              </a:rPr>
+            </a:br>
             <a:br>
               <a:rPr lang="en-US" altLang="zh-CN" sz="1600" b="1" dirty="0">
                 <a:latin typeface="Heiti SC Medium" pitchFamily="2" charset="-128"/>

--- a/一种快速识别相似图片素材的方法.pptx
+++ b/一种快速识别相似图片素材的方法.pptx
@@ -227,7 +227,7 @@
           <a:p>
             <a:fld id="{09A228B6-3067-C445-8B0D-C0AA7F58E68E}" type="datetimeFigureOut">
               <a:rPr kumimoji="1" lang="zh-CN" altLang="en-US" smtClean="0"/>
-              <a:t>2021/12/13</a:t>
+              <a:t>2021/12/14</a:t>
             </a:fld>
             <a:endParaRPr kumimoji="1" lang="zh-CN" altLang="en-US"/>
           </a:p>
@@ -387,7 +387,7 @@
           <a:p>
             <a:fld id="{24D12F3B-D8CA-C740-905F-99F809651AF3}" type="datetimeFigureOut">
               <a:rPr kumimoji="1" lang="zh-CN" altLang="en-US" smtClean="0"/>
-              <a:t>2021/12/13</a:t>
+              <a:t>2021/12/14</a:t>
             </a:fld>
             <a:endParaRPr kumimoji="1" lang="zh-CN" altLang="en-US"/>
           </a:p>
@@ -4707,7 +4707,7 @@
         <p:spPr>
           <a:xfrm>
             <a:off x="389297" y="1188435"/>
-            <a:ext cx="1744388" cy="300082"/>
+            <a:ext cx="1632435" cy="300082"/>
           </a:xfrm>
           <a:prstGeom prst="rect">
             <a:avLst/>
@@ -4726,7 +4726,7 @@
             </a:pPr>
             <a:r>
               <a:rPr kumimoji="1" lang="zh-CN" altLang="en-US" dirty="0"/>
-              <a:t>考虑用</a:t>
+              <a:t>考虑</a:t>
             </a:r>
             <a:r>
               <a:rPr kumimoji="1" lang="en-US" altLang="zh-CN" dirty="0"/>
@@ -4754,7 +4754,7 @@
         <p:spPr>
           <a:xfrm>
             <a:off x="389297" y="1600178"/>
-            <a:ext cx="1426994" cy="300082"/>
+            <a:ext cx="1511952" cy="300082"/>
           </a:xfrm>
           <a:prstGeom prst="rect">
             <a:avLst/>
@@ -4773,15 +4773,7 @@
             </a:pPr>
             <a:r>
               <a:rPr kumimoji="1" lang="zh-CN" altLang="en-US" dirty="0"/>
-              <a:t>裁掉</a:t>
-            </a:r>
-            <a:r>
-              <a:rPr kumimoji="1" lang="en-US" altLang="zh-CN" dirty="0"/>
-              <a:t>4</a:t>
-            </a:r>
-            <a:r>
-              <a:rPr kumimoji="1" lang="zh-CN" altLang="en-US" dirty="0"/>
-              <a:t>边空白</a:t>
+              <a:t>裁掉四周空白</a:t>
             </a:r>
           </a:p>
         </p:txBody>
@@ -4800,7 +4792,7 @@
         </p:nvSpPr>
         <p:spPr>
           <a:xfrm>
-            <a:off x="683746" y="2047522"/>
+            <a:off x="754782" y="2423664"/>
             <a:ext cx="434734" cy="300082"/>
           </a:xfrm>
           <a:prstGeom prst="rect">
@@ -4819,6 +4811,45 @@
               <a:t>……</a:t>
             </a:r>
             <a:endParaRPr kumimoji="1" lang="zh-CN" altLang="en-US" dirty="0"/>
+          </a:p>
+        </p:txBody>
+      </p:sp>
+      <p:sp>
+        <p:nvSpPr>
+          <p:cNvPr id="6" name="文本框 5">
+            <a:extLst>
+              <a:ext uri="{FF2B5EF4-FFF2-40B4-BE49-F238E27FC236}">
+                <a16:creationId xmlns:a16="http://schemas.microsoft.com/office/drawing/2014/main" id="{BE02087B-5A53-8C41-A51D-45B1001488BF}"/>
+              </a:ext>
+            </a:extLst>
+          </p:cNvPr>
+          <p:cNvSpPr txBox="1"/>
+          <p:nvPr/>
+        </p:nvSpPr>
+        <p:spPr>
+          <a:xfrm>
+            <a:off x="389297" y="2011921"/>
+            <a:ext cx="1165704" cy="300082"/>
+          </a:xfrm>
+          <a:prstGeom prst="rect">
+            <a:avLst/>
+          </a:prstGeom>
+          <a:noFill/>
+        </p:spPr>
+        <p:txBody>
+          <a:bodyPr wrap="none" rtlCol="0">
+            <a:spAutoFit/>
+          </a:bodyPr>
+          <a:lstStyle/>
+          <a:p>
+            <a:pPr marL="285750" indent="-285750">
+              <a:buFont typeface="Arial" panose="020B0604020202020204" pitchFamily="34" charset="0"/>
+              <a:buChar char="•"/>
+            </a:pPr>
+            <a:r>
+              <a:rPr kumimoji="1" lang="zh-CN" altLang="en-US" dirty="0"/>
+              <a:t>裁切尺寸</a:t>
+            </a:r>
           </a:p>
         </p:txBody>
       </p:sp>

--- a/一种快速识别相似图片素材的方法.pptx
+++ b/一种快速识别相似图片素材的方法.pptx
@@ -10,10 +10,10 @@
     <p:sldMasterId id="2147483659" r:id="rId6"/>
   </p:sldMasterIdLst>
   <p:notesMasterIdLst>
-    <p:notesMasterId r:id="rId21"/>
+    <p:notesMasterId r:id="rId22"/>
   </p:notesMasterIdLst>
   <p:handoutMasterIdLst>
-    <p:handoutMasterId r:id="rId22"/>
+    <p:handoutMasterId r:id="rId23"/>
   </p:handoutMasterIdLst>
   <p:sldIdLst>
     <p:sldId id="273" r:id="rId7"/>
@@ -29,7 +29,8 @@
     <p:sldId id="297" r:id="rId17"/>
     <p:sldId id="296" r:id="rId18"/>
     <p:sldId id="298" r:id="rId19"/>
-    <p:sldId id="274" r:id="rId20"/>
+    <p:sldId id="299" r:id="rId20"/>
+    <p:sldId id="274" r:id="rId21"/>
   </p:sldIdLst>
   <p:sldSz cx="9144000" cy="5143500" type="screen16x9"/>
   <p:notesSz cx="7104063" cy="10234613"/>
@@ -728,6 +729,169 @@
 </p:notes>
 </file>
 
+<file path=ppt/notesSlides/notesSlide10.xml><?xml version="1.0" encoding="utf-8"?>
+<p:notes xmlns:a="http://schemas.openxmlformats.org/drawingml/2006/main" xmlns:r="http://schemas.openxmlformats.org/officeDocument/2006/relationships" xmlns:p="http://schemas.openxmlformats.org/presentationml/2006/main">
+  <p:cSld>
+    <p:spTree>
+      <p:nvGrpSpPr>
+        <p:cNvPr id="1" name=""/>
+        <p:cNvGrpSpPr/>
+        <p:nvPr/>
+      </p:nvGrpSpPr>
+      <p:grpSpPr>
+        <a:xfrm>
+          <a:off x="0" y="0"/>
+          <a:ext cx="0" cy="0"/>
+          <a:chOff x="0" y="0"/>
+          <a:chExt cx="0" cy="0"/>
+        </a:xfrm>
+      </p:grpSpPr>
+      <p:sp>
+        <p:nvSpPr>
+          <p:cNvPr id="2" name="幻灯片图像占位符 1"/>
+          <p:cNvSpPr>
+            <a:spLocks noGrp="1" noRot="1" noChangeAspect="1"/>
+          </p:cNvSpPr>
+          <p:nvPr>
+            <p:ph type="sldImg"/>
+          </p:nvPr>
+        </p:nvSpPr>
+        <p:spPr/>
+      </p:sp>
+      <p:sp>
+        <p:nvSpPr>
+          <p:cNvPr id="3" name="备注占位符 2"/>
+          <p:cNvSpPr>
+            <a:spLocks noGrp="1"/>
+          </p:cNvSpPr>
+          <p:nvPr>
+            <p:ph type="body" idx="1"/>
+          </p:nvPr>
+        </p:nvSpPr>
+        <p:spPr/>
+        <p:txBody>
+          <a:bodyPr/>
+          <a:lstStyle/>
+          <a:p>
+            <a:endParaRPr kumimoji="1" lang="zh-CN" altLang="en-US"/>
+          </a:p>
+        </p:txBody>
+      </p:sp>
+      <p:sp>
+        <p:nvSpPr>
+          <p:cNvPr id="4" name="灯片编号占位符 3"/>
+          <p:cNvSpPr>
+            <a:spLocks noGrp="1"/>
+          </p:cNvSpPr>
+          <p:nvPr>
+            <p:ph type="sldNum" sz="quarter" idx="5"/>
+          </p:nvPr>
+        </p:nvSpPr>
+        <p:spPr/>
+        <p:txBody>
+          <a:bodyPr/>
+          <a:lstStyle/>
+          <a:p>
+            <a:fld id="{D21167DF-C8FB-FF43-A5B1-4092CC36E71D}" type="slidenum">
+              <a:rPr kumimoji="1" lang="zh-CN" altLang="en-US" smtClean="0"/>
+              <a:t>14</a:t>
+            </a:fld>
+            <a:endParaRPr kumimoji="1" lang="zh-CN" altLang="en-US"/>
+          </a:p>
+        </p:txBody>
+      </p:sp>
+    </p:spTree>
+    <p:extLst>
+      <p:ext uri="{BB962C8B-B14F-4D97-AF65-F5344CB8AC3E}">
+        <p14:creationId xmlns:p14="http://schemas.microsoft.com/office/powerpoint/2010/main" val="1105753797"/>
+      </p:ext>
+    </p:extLst>
+  </p:cSld>
+  <p:clrMapOvr>
+    <a:masterClrMapping/>
+  </p:clrMapOvr>
+</p:notes>
+</file>
+
+<file path=ppt/notesSlides/notesSlide11.xml><?xml version="1.0" encoding="utf-8"?>
+<p:notes xmlns:a="http://schemas.openxmlformats.org/drawingml/2006/main" xmlns:r="http://schemas.openxmlformats.org/officeDocument/2006/relationships" xmlns:p="http://schemas.openxmlformats.org/presentationml/2006/main">
+  <p:cSld>
+    <p:spTree>
+      <p:nvGrpSpPr>
+        <p:cNvPr id="1" name=""/>
+        <p:cNvGrpSpPr/>
+        <p:nvPr/>
+      </p:nvGrpSpPr>
+      <p:grpSpPr>
+        <a:xfrm>
+          <a:off x="0" y="0"/>
+          <a:ext cx="0" cy="0"/>
+          <a:chOff x="0" y="0"/>
+          <a:chExt cx="0" cy="0"/>
+        </a:xfrm>
+      </p:grpSpPr>
+      <p:sp>
+        <p:nvSpPr>
+          <p:cNvPr id="2" name="幻灯片图像占位符 1"/>
+          <p:cNvSpPr>
+            <a:spLocks noGrp="1" noRot="1" noChangeAspect="1"/>
+          </p:cNvSpPr>
+          <p:nvPr>
+            <p:ph type="sldImg"/>
+          </p:nvPr>
+        </p:nvSpPr>
+        <p:spPr/>
+      </p:sp>
+      <p:sp>
+        <p:nvSpPr>
+          <p:cNvPr id="3" name="备注占位符 2"/>
+          <p:cNvSpPr>
+            <a:spLocks noGrp="1"/>
+          </p:cNvSpPr>
+          <p:nvPr>
+            <p:ph type="body" idx="1"/>
+          </p:nvPr>
+        </p:nvSpPr>
+        <p:spPr/>
+        <p:txBody>
+          <a:bodyPr/>
+          <a:lstStyle/>
+          <a:p>
+            <a:endParaRPr lang="zh-CN" altLang="en-US" dirty="0"/>
+          </a:p>
+        </p:txBody>
+      </p:sp>
+      <p:sp>
+        <p:nvSpPr>
+          <p:cNvPr id="4" name="灯片编号占位符 3"/>
+          <p:cNvSpPr>
+            <a:spLocks noGrp="1"/>
+          </p:cNvSpPr>
+          <p:nvPr>
+            <p:ph type="sldNum" sz="quarter" idx="10"/>
+          </p:nvPr>
+        </p:nvSpPr>
+        <p:spPr/>
+        <p:txBody>
+          <a:bodyPr/>
+          <a:lstStyle/>
+          <a:p>
+            <a:fld id="{D21167DF-C8FB-FF43-A5B1-4092CC36E71D}" type="slidenum">
+              <a:rPr kumimoji="1" lang="zh-CN" altLang="en-US" smtClean="0"/>
+              <a:t>15</a:t>
+            </a:fld>
+            <a:endParaRPr kumimoji="1" lang="zh-CN" altLang="en-US"/>
+          </a:p>
+        </p:txBody>
+      </p:sp>
+    </p:spTree>
+  </p:cSld>
+  <p:clrMapOvr>
+    <a:masterClrMapping/>
+  </p:clrMapOvr>
+</p:notes>
+</file>
+
 <file path=ppt/notesSlides/notesSlide2.xml><?xml version="1.0" encoding="utf-8"?>
 <p:notes xmlns:a="http://schemas.openxmlformats.org/drawingml/2006/main" xmlns:r="http://schemas.openxmlformats.org/officeDocument/2006/relationships" xmlns:p="http://schemas.openxmlformats.org/presentationml/2006/main">
   <p:cSld>
@@ -1355,7 +1519,7 @@
           <a:bodyPr/>
           <a:lstStyle/>
           <a:p>
-            <a:endParaRPr lang="zh-CN" altLang="en-US" dirty="0"/>
+            <a:endParaRPr kumimoji="1" lang="zh-CN" altLang="en-US" dirty="0"/>
           </a:p>
         </p:txBody>
       </p:sp>
@@ -1366,7 +1530,7 @@
             <a:spLocks noGrp="1"/>
           </p:cNvSpPr>
           <p:nvPr>
-            <p:ph type="sldNum" sz="quarter" idx="10"/>
+            <p:ph type="sldNum" sz="quarter" idx="5"/>
           </p:nvPr>
         </p:nvSpPr>
         <p:spPr/>
@@ -1376,13 +1540,18 @@
           <a:p>
             <a:fld id="{D21167DF-C8FB-FF43-A5B1-4092CC36E71D}" type="slidenum">
               <a:rPr kumimoji="1" lang="zh-CN" altLang="en-US" smtClean="0"/>
-              <a:t>14</a:t>
+              <a:t>13</a:t>
             </a:fld>
             <a:endParaRPr kumimoji="1" lang="zh-CN" altLang="en-US"/>
           </a:p>
         </p:txBody>
       </p:sp>
     </p:spTree>
+    <p:extLst>
+      <p:ext uri="{BB962C8B-B14F-4D97-AF65-F5344CB8AC3E}">
+        <p14:creationId xmlns:p14="http://schemas.microsoft.com/office/powerpoint/2010/main" val="2473313377"/>
+      </p:ext>
+    </p:extLst>
   </p:cSld>
   <p:clrMapOvr>
     <a:masterClrMapping/>
@@ -5357,6 +5526,42 @@
           </a:p>
         </p:txBody>
       </p:sp>
+      <p:pic>
+        <p:nvPicPr>
+          <p:cNvPr id="5" name="图片 4">
+            <a:extLst>
+              <a:ext uri="{FF2B5EF4-FFF2-40B4-BE49-F238E27FC236}">
+                <a16:creationId xmlns:a16="http://schemas.microsoft.com/office/drawing/2014/main" id="{85EB40B8-9167-424C-A494-3D600E9F89D4}"/>
+              </a:ext>
+            </a:extLst>
+          </p:cNvPr>
+          <p:cNvPicPr>
+            <a:picLocks noChangeAspect="1"/>
+          </p:cNvPicPr>
+          <p:nvPr/>
+        </p:nvPicPr>
+        <p:blipFill>
+          <a:blip r:embed="rId3">
+            <a:extLst>
+              <a:ext uri="{28A0092B-C50C-407E-A947-70E740481C1C}">
+                <a14:useLocalDpi xmlns:a14="http://schemas.microsoft.com/office/drawing/2010/main" val="0"/>
+              </a:ext>
+            </a:extLst>
+          </a:blip>
+          <a:stretch>
+            <a:fillRect/>
+          </a:stretch>
+        </p:blipFill>
+        <p:spPr>
+          <a:xfrm>
+            <a:off x="3048000" y="673474"/>
+            <a:ext cx="2707341" cy="4343026"/>
+          </a:xfrm>
+          <a:prstGeom prst="rect">
+            <a:avLst/>
+          </a:prstGeom>
+        </p:spPr>
+      </p:pic>
     </p:spTree>
     <p:extLst>
       <p:ext uri="{BB962C8B-B14F-4D97-AF65-F5344CB8AC3E}">
@@ -5371,6 +5576,319 @@
 </file>
 
 <file path=ppt/slides/slide14.xml><?xml version="1.0" encoding="utf-8"?>
+<p:sld xmlns:a="http://schemas.openxmlformats.org/drawingml/2006/main" xmlns:r="http://schemas.openxmlformats.org/officeDocument/2006/relationships" xmlns:p="http://schemas.openxmlformats.org/presentationml/2006/main">
+  <p:cSld>
+    <p:spTree>
+      <p:nvGrpSpPr>
+        <p:cNvPr id="1" name=""/>
+        <p:cNvGrpSpPr/>
+        <p:nvPr/>
+      </p:nvGrpSpPr>
+      <p:grpSpPr>
+        <a:xfrm>
+          <a:off x="0" y="0"/>
+          <a:ext cx="0" cy="0"/>
+          <a:chOff x="0" y="0"/>
+          <a:chExt cx="0" cy="0"/>
+        </a:xfrm>
+      </p:grpSpPr>
+      <p:sp>
+        <p:nvSpPr>
+          <p:cNvPr id="2" name="标题 1">
+            <a:extLst>
+              <a:ext uri="{FF2B5EF4-FFF2-40B4-BE49-F238E27FC236}">
+                <a16:creationId xmlns:a16="http://schemas.microsoft.com/office/drawing/2014/main" id="{4C6C65DF-6EE8-9C40-BC95-64D195050718}"/>
+              </a:ext>
+            </a:extLst>
+          </p:cNvPr>
+          <p:cNvSpPr>
+            <a:spLocks noGrp="1"/>
+          </p:cNvSpPr>
+          <p:nvPr>
+            <p:ph type="title"/>
+          </p:nvPr>
+        </p:nvSpPr>
+        <p:spPr/>
+        <p:txBody>
+          <a:bodyPr/>
+          <a:lstStyle/>
+          <a:p>
+            <a:r>
+              <a:rPr lang="zh-CN" altLang="en-US" b="1" dirty="0">
+                <a:solidFill>
+                  <a:srgbClr val="FF6600"/>
+                </a:solidFill>
+                <a:latin typeface="Heiti SC Medium" pitchFamily="2" charset="-128"/>
+                <a:ea typeface="Heiti SC Medium" pitchFamily="2" charset="-128"/>
+              </a:rPr>
+              <a:t>聚类效果</a:t>
+            </a:r>
+            <a:br>
+              <a:rPr lang="en-US" altLang="zh-CN" sz="1600" b="1" dirty="0">
+                <a:latin typeface="Heiti SC Medium" pitchFamily="2" charset="-128"/>
+                <a:ea typeface="Heiti SC Medium" pitchFamily="2" charset="-128"/>
+              </a:rPr>
+            </a:br>
+            <a:endParaRPr kumimoji="1" lang="zh-CN" altLang="en-US" dirty="0"/>
+          </a:p>
+        </p:txBody>
+      </p:sp>
+      <p:sp>
+        <p:nvSpPr>
+          <p:cNvPr id="3" name="灯片编号占位符 2">
+            <a:extLst>
+              <a:ext uri="{FF2B5EF4-FFF2-40B4-BE49-F238E27FC236}">
+                <a16:creationId xmlns:a16="http://schemas.microsoft.com/office/drawing/2014/main" id="{7CE18F9B-BC61-BE4C-AE73-FD598BF43E4D}"/>
+              </a:ext>
+            </a:extLst>
+          </p:cNvPr>
+          <p:cNvSpPr>
+            <a:spLocks noGrp="1"/>
+          </p:cNvSpPr>
+          <p:nvPr>
+            <p:ph type="sldNum" sz="quarter" idx="4"/>
+          </p:nvPr>
+        </p:nvSpPr>
+        <p:spPr/>
+        <p:txBody>
+          <a:bodyPr/>
+          <a:lstStyle/>
+          <a:p>
+            <a:fld id="{E9E5B929-CBD3-1145-8D01-C249B26842EE}" type="slidenum">
+              <a:rPr kumimoji="1" lang="zh-CN" altLang="en-US" smtClean="0"/>
+              <a:t>14</a:t>
+            </a:fld>
+            <a:endParaRPr kumimoji="1" lang="zh-CN" altLang="en-US" dirty="0"/>
+          </a:p>
+        </p:txBody>
+      </p:sp>
+      <p:sp>
+        <p:nvSpPr>
+          <p:cNvPr id="4" name="文本框 3">
+            <a:extLst>
+              <a:ext uri="{FF2B5EF4-FFF2-40B4-BE49-F238E27FC236}">
+                <a16:creationId xmlns:a16="http://schemas.microsoft.com/office/drawing/2014/main" id="{26D33E0F-B584-8946-99B4-5F59325546D3}"/>
+              </a:ext>
+            </a:extLst>
+          </p:cNvPr>
+          <p:cNvSpPr txBox="1"/>
+          <p:nvPr/>
+        </p:nvSpPr>
+        <p:spPr>
+          <a:xfrm>
+            <a:off x="179293" y="821849"/>
+            <a:ext cx="530915" cy="300082"/>
+          </a:xfrm>
+          <a:prstGeom prst="rect">
+            <a:avLst/>
+          </a:prstGeom>
+          <a:noFill/>
+        </p:spPr>
+        <p:txBody>
+          <a:bodyPr wrap="none" rtlCol="0">
+            <a:spAutoFit/>
+          </a:bodyPr>
+          <a:lstStyle/>
+          <a:p>
+            <a:r>
+              <a:rPr kumimoji="1" lang="zh-CN" altLang="en-US" dirty="0"/>
+              <a:t>不足</a:t>
+            </a:r>
+          </a:p>
+        </p:txBody>
+      </p:sp>
+      <p:sp>
+        <p:nvSpPr>
+          <p:cNvPr id="6" name="文本框 5">
+            <a:extLst>
+              <a:ext uri="{FF2B5EF4-FFF2-40B4-BE49-F238E27FC236}">
+                <a16:creationId xmlns:a16="http://schemas.microsoft.com/office/drawing/2014/main" id="{BF8BFF55-581A-6C4E-BD03-1C3F5BBA3670}"/>
+              </a:ext>
+            </a:extLst>
+          </p:cNvPr>
+          <p:cNvSpPr txBox="1"/>
+          <p:nvPr/>
+        </p:nvSpPr>
+        <p:spPr>
+          <a:xfrm>
+            <a:off x="457200" y="1183341"/>
+            <a:ext cx="2781531" cy="715581"/>
+          </a:xfrm>
+          <a:prstGeom prst="rect">
+            <a:avLst/>
+          </a:prstGeom>
+          <a:noFill/>
+        </p:spPr>
+        <p:txBody>
+          <a:bodyPr wrap="none" rtlCol="0">
+            <a:spAutoFit/>
+          </a:bodyPr>
+          <a:lstStyle/>
+          <a:p>
+            <a:pPr marL="342900" indent="-342900">
+              <a:buAutoNum type="arabicPeriod"/>
+            </a:pPr>
+            <a:r>
+              <a:rPr kumimoji="1" lang="zh-CN" altLang="en-US" dirty="0"/>
+              <a:t>需要预先指定聚类的数目</a:t>
+            </a:r>
+            <a:endParaRPr kumimoji="1" lang="en-US" altLang="zh-CN" dirty="0"/>
+          </a:p>
+          <a:p>
+            <a:pPr marL="342900" indent="-342900">
+              <a:buAutoNum type="arabicPeriod"/>
+            </a:pPr>
+            <a:r>
+              <a:rPr kumimoji="1" lang="zh-CN" altLang="en-US" dirty="0"/>
+              <a:t>对图片数据敏感，尤其是大图</a:t>
+            </a:r>
+            <a:endParaRPr kumimoji="1" lang="en-US" altLang="zh-CN" dirty="0"/>
+          </a:p>
+          <a:p>
+            <a:pPr marL="342900" indent="-342900">
+              <a:buAutoNum type="arabicPeriod"/>
+            </a:pPr>
+            <a:r>
+              <a:rPr kumimoji="1" lang="en-US" altLang="zh-CN" dirty="0"/>
+              <a:t>……</a:t>
+            </a:r>
+            <a:endParaRPr kumimoji="1" lang="zh-CN" altLang="en-US" dirty="0"/>
+          </a:p>
+        </p:txBody>
+      </p:sp>
+      <p:sp>
+        <p:nvSpPr>
+          <p:cNvPr id="7" name="文本框 6">
+            <a:extLst>
+              <a:ext uri="{FF2B5EF4-FFF2-40B4-BE49-F238E27FC236}">
+                <a16:creationId xmlns:a16="http://schemas.microsoft.com/office/drawing/2014/main" id="{5BC14F7C-648A-4943-8729-8A9DEF424532}"/>
+              </a:ext>
+            </a:extLst>
+          </p:cNvPr>
+          <p:cNvSpPr txBox="1"/>
+          <p:nvPr/>
+        </p:nvSpPr>
+        <p:spPr>
+          <a:xfrm>
+            <a:off x="185064" y="2509914"/>
+            <a:ext cx="1050288" cy="300082"/>
+          </a:xfrm>
+          <a:prstGeom prst="rect">
+            <a:avLst/>
+          </a:prstGeom>
+          <a:noFill/>
+        </p:spPr>
+        <p:txBody>
+          <a:bodyPr wrap="none" rtlCol="0">
+            <a:spAutoFit/>
+          </a:bodyPr>
+          <a:lstStyle/>
+          <a:p>
+            <a:r>
+              <a:rPr kumimoji="1" lang="zh-CN" altLang="en-US" dirty="0">
+                <a:solidFill>
+                  <a:srgbClr val="FF6600"/>
+                </a:solidFill>
+              </a:rPr>
+              <a:t>未来改进：</a:t>
+            </a:r>
+          </a:p>
+        </p:txBody>
+      </p:sp>
+      <p:sp>
+        <p:nvSpPr>
+          <p:cNvPr id="8" name="文本框 7">
+            <a:extLst>
+              <a:ext uri="{FF2B5EF4-FFF2-40B4-BE49-F238E27FC236}">
+                <a16:creationId xmlns:a16="http://schemas.microsoft.com/office/drawing/2014/main" id="{7EBA5637-41D3-AC42-A304-6D0D852188BD}"/>
+              </a:ext>
+            </a:extLst>
+          </p:cNvPr>
+          <p:cNvSpPr txBox="1"/>
+          <p:nvPr/>
+        </p:nvSpPr>
+        <p:spPr>
+          <a:xfrm>
+            <a:off x="457200" y="2944497"/>
+            <a:ext cx="1915909" cy="715581"/>
+          </a:xfrm>
+          <a:prstGeom prst="rect">
+            <a:avLst/>
+          </a:prstGeom>
+          <a:noFill/>
+        </p:spPr>
+        <p:txBody>
+          <a:bodyPr wrap="none" rtlCol="0">
+            <a:spAutoFit/>
+          </a:bodyPr>
+          <a:lstStyle/>
+          <a:p>
+            <a:pPr marL="342900" indent="-342900">
+              <a:buAutoNum type="arabicPeriod"/>
+            </a:pPr>
+            <a:r>
+              <a:rPr kumimoji="1" lang="zh-CN" altLang="en-US" dirty="0">
+                <a:solidFill>
+                  <a:srgbClr val="FF6600"/>
+                </a:solidFill>
+              </a:rPr>
+              <a:t>图片特征工程</a:t>
+            </a:r>
+            <a:endParaRPr kumimoji="1" lang="en-US" altLang="zh-CN" dirty="0">
+              <a:solidFill>
+                <a:srgbClr val="FF6600"/>
+              </a:solidFill>
+            </a:endParaRPr>
+          </a:p>
+          <a:p>
+            <a:pPr marL="342900" indent="-342900">
+              <a:buFontTx/>
+              <a:buAutoNum type="arabicPeriod"/>
+            </a:pPr>
+            <a:r>
+              <a:rPr kumimoji="1" lang="zh-CN" altLang="en-US" dirty="0">
+                <a:solidFill>
+                  <a:srgbClr val="FF6600"/>
+                </a:solidFill>
+              </a:rPr>
+              <a:t>尝试其他聚类算法</a:t>
+            </a:r>
+            <a:endParaRPr kumimoji="1" lang="en-US" altLang="zh-CN" dirty="0">
+              <a:solidFill>
+                <a:srgbClr val="FF6600"/>
+              </a:solidFill>
+            </a:endParaRPr>
+          </a:p>
+          <a:p>
+            <a:pPr marL="342900" indent="-342900">
+              <a:buFontTx/>
+              <a:buAutoNum type="arabicPeriod"/>
+            </a:pPr>
+            <a:r>
+              <a:rPr kumimoji="1" lang="en-US" altLang="zh-CN" dirty="0">
+                <a:solidFill>
+                  <a:srgbClr val="FF6600"/>
+                </a:solidFill>
+              </a:rPr>
+              <a:t>……</a:t>
+            </a:r>
+          </a:p>
+        </p:txBody>
+      </p:sp>
+    </p:spTree>
+    <p:extLst>
+      <p:ext uri="{BB962C8B-B14F-4D97-AF65-F5344CB8AC3E}">
+        <p14:creationId xmlns:p14="http://schemas.microsoft.com/office/powerpoint/2010/main" val="651032073"/>
+      </p:ext>
+    </p:extLst>
+  </p:cSld>
+  <p:clrMapOvr>
+    <a:masterClrMapping/>
+  </p:clrMapOvr>
+</p:sld>
+</file>
+
+<file path=ppt/slides/slide15.xml><?xml version="1.0" encoding="utf-8"?>
 <p:sld xmlns:a="http://schemas.openxmlformats.org/drawingml/2006/main" xmlns:r="http://schemas.openxmlformats.org/officeDocument/2006/relationships" xmlns:p="http://schemas.openxmlformats.org/presentationml/2006/main">
   <p:cSld>
     <p:spTree>

--- a/一种快速识别相似图片素材的方法.pptx
+++ b/一种快速识别相似图片素材的方法.pptx
@@ -5528,10 +5528,10 @@
       </p:sp>
       <p:pic>
         <p:nvPicPr>
-          <p:cNvPr id="5" name="图片 4">
+          <p:cNvPr id="6" name="图片 5">
             <a:extLst>
               <a:ext uri="{FF2B5EF4-FFF2-40B4-BE49-F238E27FC236}">
-                <a16:creationId xmlns:a16="http://schemas.microsoft.com/office/drawing/2014/main" id="{85EB40B8-9167-424C-A494-3D600E9F89D4}"/>
+                <a16:creationId xmlns:a16="http://schemas.microsoft.com/office/drawing/2014/main" id="{DCD85124-9700-6B4E-B652-B58BB394F438}"/>
               </a:ext>
             </a:extLst>
           </p:cNvPr>
@@ -5554,8 +5554,8 @@
         </p:blipFill>
         <p:spPr>
           <a:xfrm>
-            <a:off x="3048000" y="673474"/>
-            <a:ext cx="2707341" cy="4343026"/>
+            <a:off x="2605368" y="650002"/>
+            <a:ext cx="3436204" cy="4493497"/>
           </a:xfrm>
           <a:prstGeom prst="rect">
             <a:avLst/>
